--- a/2020-09-03-deveng-215.pptx
+++ b/2020-09-03-deveng-215.pptx
@@ -3540,7 +3540,25 @@
               </a:defRPr>
             </a:pPr>
             <a:r>
-              <a:t>Despair: At most 8% of the world’s population has a standard of living more than half of today’s U.S. median. Rejoice: the world today is so much fabulously richer than it was in 1800. That is a miracle. Recoil: our knowledge—of how to run governments; of how to organize markets, firms, and property; and of how to apply science and technology—is so sketchily and unevenly distributed around the world, leaving only a small part of it as what we would see as rich and huge chunks of it as what we do see as desperately poor, is a scandal, and a crime against humanity.</a:t>
+              <a:rPr b="1"/>
+              <a:t>Despair</a:t>
+            </a:r>
+            <a:r>
+              <a:t>: At most 8% of the world’s population has a standard of living more than half of today’s U.S. median. </a:t>
+            </a:r>
+            <a:r>
+              <a:rPr b="1"/>
+              <a:t>Rejoice</a:t>
+            </a:r>
+            <a:r>
+              <a:t>: the world today is so much fabulously richer than it was in 1800. That is a miracle. </a:t>
+            </a:r>
+            <a:r>
+              <a:rPr b="1"/>
+              <a:t>Recoil</a:t>
+            </a:r>
+            <a:r>
+              <a:t>: our knowledge—of how to run governments; of how to organize markets, firms, and property; and of how to apply science and technology—is so sketchily and unevenly distributed around the world, leaving only a small part of it as what we would see as rich and huge chunks of it as what we do see as desperately poor, is a scandal, and a crime against humanity.</a:t>
             </a:r>
           </a:p>
           <a:p>
